--- a/lectures/github-pages.pptx
+++ b/lectures/github-pages.pptx
@@ -5,13 +5,16 @@
     <p:sldMasterId id="2147483648" r:id="rId1"/>
   </p:sldMasterIdLst>
   <p:sldIdLst>
-    <p:sldId id="256" r:id="rId2"/>
-    <p:sldId id="260" r:id="rId3"/>
-    <p:sldId id="258" r:id="rId4"/>
-    <p:sldId id="259" r:id="rId5"/>
-    <p:sldId id="257" r:id="rId6"/>
-    <p:sldId id="262" r:id="rId7"/>
-    <p:sldId id="261" r:id="rId8"/>
+    <p:sldId id="258" r:id="rId2"/>
+    <p:sldId id="259" r:id="rId3"/>
+    <p:sldId id="257" r:id="rId4"/>
+    <p:sldId id="262" r:id="rId5"/>
+    <p:sldId id="263" r:id="rId6"/>
+    <p:sldId id="261" r:id="rId7"/>
+    <p:sldId id="265" r:id="rId8"/>
+    <p:sldId id="266" r:id="rId9"/>
+    <p:sldId id="260" r:id="rId10"/>
+    <p:sldId id="264" r:id="rId11"/>
   </p:sldIdLst>
   <p:sldSz cx="12192000" cy="6858000"/>
   <p:notesSz cx="6858000" cy="9144000"/>
@@ -247,7 +250,7 @@
           <a:p>
             <a:fld id="{9640CFC7-8E0A-41C7-9CAB-E03B39C271C4}" type="datetimeFigureOut">
               <a:rPr lang="en-US" smtClean="0"/>
-              <a:t>2/1/2020</a:t>
+              <a:t>9/23/2020</a:t>
             </a:fld>
             <a:endParaRPr lang="en-US"/>
           </a:p>
@@ -415,7 +418,7 @@
           <a:p>
             <a:fld id="{9640CFC7-8E0A-41C7-9CAB-E03B39C271C4}" type="datetimeFigureOut">
               <a:rPr lang="en-US" smtClean="0"/>
-              <a:t>2/1/2020</a:t>
+              <a:t>9/23/2020</a:t>
             </a:fld>
             <a:endParaRPr lang="en-US"/>
           </a:p>
@@ -593,7 +596,7 @@
           <a:p>
             <a:fld id="{9640CFC7-8E0A-41C7-9CAB-E03B39C271C4}" type="datetimeFigureOut">
               <a:rPr lang="en-US" smtClean="0"/>
-              <a:t>2/1/2020</a:t>
+              <a:t>9/23/2020</a:t>
             </a:fld>
             <a:endParaRPr lang="en-US"/>
           </a:p>
@@ -798,7 +801,7 @@
           <a:p>
             <a:fld id="{9640CFC7-8E0A-41C7-9CAB-E03B39C271C4}" type="datetimeFigureOut">
               <a:rPr lang="en-US" smtClean="0"/>
-              <a:t>2/1/2020</a:t>
+              <a:t>9/23/2020</a:t>
             </a:fld>
             <a:endParaRPr lang="en-US"/>
           </a:p>
@@ -1045,7 +1048,7 @@
           <a:p>
             <a:fld id="{9640CFC7-8E0A-41C7-9CAB-E03B39C271C4}" type="datetimeFigureOut">
               <a:rPr lang="en-US" smtClean="0"/>
-              <a:t>2/1/2020</a:t>
+              <a:t>9/23/2020</a:t>
             </a:fld>
             <a:endParaRPr lang="en-US"/>
           </a:p>
@@ -1274,7 +1277,7 @@
           <a:p>
             <a:fld id="{9640CFC7-8E0A-41C7-9CAB-E03B39C271C4}" type="datetimeFigureOut">
               <a:rPr lang="en-US" smtClean="0"/>
-              <a:t>2/1/2020</a:t>
+              <a:t>9/23/2020</a:t>
             </a:fld>
             <a:endParaRPr lang="en-US"/>
           </a:p>
@@ -1638,7 +1641,7 @@
           <a:p>
             <a:fld id="{9640CFC7-8E0A-41C7-9CAB-E03B39C271C4}" type="datetimeFigureOut">
               <a:rPr lang="en-US" smtClean="0"/>
-              <a:t>2/1/2020</a:t>
+              <a:t>9/23/2020</a:t>
             </a:fld>
             <a:endParaRPr lang="en-US"/>
           </a:p>
@@ -1755,7 +1758,7 @@
           <a:p>
             <a:fld id="{9640CFC7-8E0A-41C7-9CAB-E03B39C271C4}" type="datetimeFigureOut">
               <a:rPr lang="en-US" smtClean="0"/>
-              <a:t>2/1/2020</a:t>
+              <a:t>9/23/2020</a:t>
             </a:fld>
             <a:endParaRPr lang="en-US"/>
           </a:p>
@@ -1850,7 +1853,7 @@
           <a:p>
             <a:fld id="{9640CFC7-8E0A-41C7-9CAB-E03B39C271C4}" type="datetimeFigureOut">
               <a:rPr lang="en-US" smtClean="0"/>
-              <a:t>2/1/2020</a:t>
+              <a:t>9/23/2020</a:t>
             </a:fld>
             <a:endParaRPr lang="en-US"/>
           </a:p>
@@ -2125,7 +2128,7 @@
           <a:p>
             <a:fld id="{9640CFC7-8E0A-41C7-9CAB-E03B39C271C4}" type="datetimeFigureOut">
               <a:rPr lang="en-US" smtClean="0"/>
-              <a:t>2/1/2020</a:t>
+              <a:t>9/23/2020</a:t>
             </a:fld>
             <a:endParaRPr lang="en-US"/>
           </a:p>
@@ -2377,7 +2380,7 @@
           <a:p>
             <a:fld id="{9640CFC7-8E0A-41C7-9CAB-E03B39C271C4}" type="datetimeFigureOut">
               <a:rPr lang="en-US" smtClean="0"/>
-              <a:t>2/1/2020</a:t>
+              <a:t>9/23/2020</a:t>
             </a:fld>
             <a:endParaRPr lang="en-US"/>
           </a:p>
@@ -2588,7 +2591,7 @@
           <a:p>
             <a:fld id="{9640CFC7-8E0A-41C7-9CAB-E03B39C271C4}" type="datetimeFigureOut">
               <a:rPr lang="en-US" smtClean="0"/>
-              <a:t>2/1/2020</a:t>
+              <a:t>9/23/2020</a:t>
             </a:fld>
             <a:endParaRPr lang="en-US"/>
           </a:p>
@@ -3002,7 +3005,7 @@
             <a:spLocks noGrp="1"/>
           </p:cNvSpPr>
           <p:nvPr>
-            <p:ph type="ctrTitle"/>
+            <p:ph type="title"/>
           </p:nvPr>
         </p:nvSpPr>
         <p:spPr/>
@@ -3010,18 +3013,31 @@
           <a:bodyPr/>
           <a:lstStyle/>
           <a:p>
-            <a:endParaRPr lang="en-US"/>
-          </a:p>
-        </p:txBody>
-      </p:sp>
-      <p:sp>
-        <p:nvSpPr>
-          <p:cNvPr id="3" name="Subtitle 2"/>
-          <p:cNvSpPr>
-            <a:spLocks noGrp="1"/>
-          </p:cNvSpPr>
-          <p:nvPr>
-            <p:ph type="subTitle" idx="1"/>
+            <a:r>
+              <a:rPr lang="en-US" dirty="0">
+                <a:solidFill>
+                  <a:schemeClr val="accent2">
+                    <a:lumMod val="75000"/>
+                  </a:schemeClr>
+                </a:solidFill>
+              </a:rPr>
+              <a:t>CSS: </a:t>
+            </a:r>
+            <a:r>
+              <a:rPr lang="en-US" dirty="0"/>
+              <a:t>Cascading style sheets</a:t>
+            </a:r>
+          </a:p>
+        </p:txBody>
+      </p:sp>
+      <p:sp>
+        <p:nvSpPr>
+          <p:cNvPr id="3" name="Text Placeholder 2"/>
+          <p:cNvSpPr>
+            <a:spLocks noGrp="1"/>
+          </p:cNvSpPr>
+          <p:nvPr>
+            <p:ph type="body" idx="1"/>
           </p:nvPr>
         </p:nvSpPr>
         <p:spPr/>
@@ -3029,14 +3045,14 @@
           <a:bodyPr/>
           <a:lstStyle/>
           <a:p>
-            <a:endParaRPr lang="en-US"/>
+            <a:endParaRPr lang="en-US" dirty="0"/>
           </a:p>
         </p:txBody>
       </p:sp>
     </p:spTree>
     <p:extLst>
       <p:ext uri="{BB962C8B-B14F-4D97-AF65-F5344CB8AC3E}">
-        <p14:creationId xmlns:p14="http://schemas.microsoft.com/office/powerpoint/2010/main" val="2554061483"/>
+        <p14:creationId xmlns:p14="http://schemas.microsoft.com/office/powerpoint/2010/main" val="2025654739"/>
       </p:ext>
     </p:extLst>
   </p:cSld>
@@ -3046,7 +3062,7 @@
 </p:sld>
 </file>
 
-<file path=ppt/slides/slide2.xml><?xml version="1.0" encoding="utf-8"?>
+<file path=ppt/slides/slide10.xml><?xml version="1.0" encoding="utf-8"?>
 <p:sld xmlns:a="http://schemas.openxmlformats.org/drawingml/2006/main" xmlns:r="http://schemas.openxmlformats.org/officeDocument/2006/relationships" xmlns:p="http://schemas.openxmlformats.org/presentationml/2006/main">
   <p:cSld>
     <p:spTree>
@@ -3065,7 +3081,13 @@
       </p:grpSpPr>
       <p:sp>
         <p:nvSpPr>
-          <p:cNvPr id="2" name="Title 1"/>
+          <p:cNvPr id="2" name="Title 1">
+            <a:extLst>
+              <a:ext uri="{FF2B5EF4-FFF2-40B4-BE49-F238E27FC236}">
+                <a16:creationId xmlns:a16="http://schemas.microsoft.com/office/drawing/2014/main" id="{809F95D8-AE2F-47DB-8392-817EE326914D}"/>
+              </a:ext>
+            </a:extLst>
+          </p:cNvPr>
           <p:cNvSpPr>
             <a:spLocks noGrp="1"/>
           </p:cNvSpPr>
@@ -3080,19 +3102,25 @@
           <a:p>
             <a:r>
               <a:rPr lang="en-US" dirty="0"/>
-              <a:t>Html page basics</a:t>
-            </a:r>
-          </a:p>
-        </p:txBody>
-      </p:sp>
-      <p:sp>
-        <p:nvSpPr>
-          <p:cNvPr id="4" name="Text Placeholder 3"/>
-          <p:cNvSpPr>
-            <a:spLocks noGrp="1"/>
-          </p:cNvSpPr>
-          <p:nvPr>
-            <p:ph type="body" idx="1"/>
+              <a:t>Anatomy of an HTML Page</a:t>
+            </a:r>
+          </a:p>
+        </p:txBody>
+      </p:sp>
+      <p:sp>
+        <p:nvSpPr>
+          <p:cNvPr id="3" name="Content Placeholder 2">
+            <a:extLst>
+              <a:ext uri="{FF2B5EF4-FFF2-40B4-BE49-F238E27FC236}">
+                <a16:creationId xmlns:a16="http://schemas.microsoft.com/office/drawing/2014/main" id="{D2005337-DE72-4399-87D6-2ED5CBD23E38}"/>
+              </a:ext>
+            </a:extLst>
+          </p:cNvPr>
+          <p:cNvSpPr>
+            <a:spLocks noGrp="1"/>
+          </p:cNvSpPr>
+          <p:nvPr>
+            <p:ph idx="1"/>
           </p:nvPr>
         </p:nvSpPr>
         <p:spPr/>
@@ -3100,14 +3128,291 @@
           <a:bodyPr/>
           <a:lstStyle/>
           <a:p>
+            <a:r>
+              <a:rPr lang="en-US" dirty="0"/>
+              <a:t>Components: </a:t>
+            </a:r>
+          </a:p>
+          <a:p>
+            <a:pPr lvl="1"/>
+            <a:r>
+              <a:rPr lang="en-US" dirty="0"/>
+              <a:t>Head</a:t>
+            </a:r>
+          </a:p>
+          <a:p>
+            <a:pPr lvl="1"/>
+            <a:r>
+              <a:rPr lang="en-US" dirty="0"/>
+              <a:t>Header</a:t>
+            </a:r>
+          </a:p>
+          <a:p>
+            <a:pPr lvl="1"/>
+            <a:r>
+              <a:rPr lang="en-US" dirty="0"/>
+              <a:t>Body</a:t>
+            </a:r>
+          </a:p>
+          <a:p>
+            <a:pPr lvl="1"/>
+            <a:r>
+              <a:rPr lang="en-US" dirty="0"/>
+              <a:t>Footer</a:t>
+            </a:r>
+          </a:p>
+          <a:p>
+            <a:r>
+              <a:rPr lang="en-US" dirty="0"/>
+              <a:t>Templates / Layouts  </a:t>
+            </a:r>
+          </a:p>
+        </p:txBody>
+      </p:sp>
+      <p:sp>
+        <p:nvSpPr>
+          <p:cNvPr id="5" name="Rectangle 4">
+            <a:extLst>
+              <a:ext uri="{FF2B5EF4-FFF2-40B4-BE49-F238E27FC236}">
+                <a16:creationId xmlns:a16="http://schemas.microsoft.com/office/drawing/2014/main" id="{2A336B02-DF77-4E6A-88A8-E0E152F9D3BC}"/>
+              </a:ext>
+            </a:extLst>
+          </p:cNvPr>
+          <p:cNvSpPr/>
+          <p:nvPr/>
+        </p:nvSpPr>
+        <p:spPr>
+          <a:xfrm>
+            <a:off x="5763237" y="2231472"/>
+            <a:ext cx="5301842" cy="4351338"/>
+          </a:xfrm>
+          <a:prstGeom prst="rect">
+            <a:avLst/>
+          </a:prstGeom>
+        </p:spPr>
+        <p:style>
+          <a:lnRef idx="1">
+            <a:schemeClr val="accent1"/>
+          </a:lnRef>
+          <a:fillRef idx="2">
+            <a:schemeClr val="accent1"/>
+          </a:fillRef>
+          <a:effectRef idx="1">
+            <a:schemeClr val="accent1"/>
+          </a:effectRef>
+          <a:fontRef idx="minor">
+            <a:schemeClr val="dk1"/>
+          </a:fontRef>
+        </p:style>
+        <p:txBody>
+          <a:bodyPr rtlCol="0" anchor="ctr"/>
+          <a:lstStyle/>
+          <a:p>
+            <a:pPr algn="ctr"/>
             <a:endParaRPr lang="en-US"/>
+          </a:p>
+        </p:txBody>
+      </p:sp>
+      <p:sp>
+        <p:nvSpPr>
+          <p:cNvPr id="6" name="Rectangle 5">
+            <a:extLst>
+              <a:ext uri="{FF2B5EF4-FFF2-40B4-BE49-F238E27FC236}">
+                <a16:creationId xmlns:a16="http://schemas.microsoft.com/office/drawing/2014/main" id="{7C26A304-6B73-4F17-983C-1F7A7D8B0280}"/>
+              </a:ext>
+            </a:extLst>
+          </p:cNvPr>
+          <p:cNvSpPr/>
+          <p:nvPr/>
+        </p:nvSpPr>
+        <p:spPr>
+          <a:xfrm>
+            <a:off x="5931017" y="2457974"/>
+            <a:ext cx="4882392" cy="427839"/>
+          </a:xfrm>
+          <a:prstGeom prst="rect">
+            <a:avLst/>
+          </a:prstGeom>
+        </p:spPr>
+        <p:style>
+          <a:lnRef idx="2">
+            <a:schemeClr val="accent1">
+              <a:shade val="50000"/>
+            </a:schemeClr>
+          </a:lnRef>
+          <a:fillRef idx="1">
+            <a:schemeClr val="accent1"/>
+          </a:fillRef>
+          <a:effectRef idx="0">
+            <a:schemeClr val="accent1"/>
+          </a:effectRef>
+          <a:fontRef idx="minor">
+            <a:schemeClr val="lt1"/>
+          </a:fontRef>
+        </p:style>
+        <p:txBody>
+          <a:bodyPr rtlCol="0" anchor="ctr"/>
+          <a:lstStyle/>
+          <a:p>
+            <a:pPr algn="ctr"/>
+            <a:r>
+              <a:rPr lang="en-US" dirty="0"/>
+              <a:t>&lt;head&gt;</a:t>
+            </a:r>
+          </a:p>
+        </p:txBody>
+      </p:sp>
+      <p:sp>
+        <p:nvSpPr>
+          <p:cNvPr id="7" name="Rectangle 6">
+            <a:extLst>
+              <a:ext uri="{FF2B5EF4-FFF2-40B4-BE49-F238E27FC236}">
+                <a16:creationId xmlns:a16="http://schemas.microsoft.com/office/drawing/2014/main" id="{760A319C-3570-4D14-BE17-51A0773C73E1}"/>
+              </a:ext>
+            </a:extLst>
+          </p:cNvPr>
+          <p:cNvSpPr/>
+          <p:nvPr/>
+        </p:nvSpPr>
+        <p:spPr>
+          <a:xfrm>
+            <a:off x="5931017" y="3742610"/>
+            <a:ext cx="4882392" cy="2232491"/>
+          </a:xfrm>
+          <a:prstGeom prst="rect">
+            <a:avLst/>
+          </a:prstGeom>
+        </p:spPr>
+        <p:style>
+          <a:lnRef idx="2">
+            <a:schemeClr val="accent1">
+              <a:shade val="50000"/>
+            </a:schemeClr>
+          </a:lnRef>
+          <a:fillRef idx="1">
+            <a:schemeClr val="accent1"/>
+          </a:fillRef>
+          <a:effectRef idx="0">
+            <a:schemeClr val="accent1"/>
+          </a:effectRef>
+          <a:fontRef idx="minor">
+            <a:schemeClr val="lt1"/>
+          </a:fontRef>
+        </p:style>
+        <p:txBody>
+          <a:bodyPr rtlCol="0" anchor="ctr"/>
+          <a:lstStyle/>
+          <a:p>
+            <a:pPr algn="ctr"/>
+            <a:r>
+              <a:rPr lang="en-US" dirty="0"/>
+              <a:t>&lt;body&gt;</a:t>
+            </a:r>
+          </a:p>
+        </p:txBody>
+      </p:sp>
+      <p:sp>
+        <p:nvSpPr>
+          <p:cNvPr id="8" name="Rectangle 7">
+            <a:extLst>
+              <a:ext uri="{FF2B5EF4-FFF2-40B4-BE49-F238E27FC236}">
+                <a16:creationId xmlns:a16="http://schemas.microsoft.com/office/drawing/2014/main" id="{AF1A63AC-0092-4DBC-BCCE-91E6ACC0C131}"/>
+              </a:ext>
+            </a:extLst>
+          </p:cNvPr>
+          <p:cNvSpPr/>
+          <p:nvPr/>
+        </p:nvSpPr>
+        <p:spPr>
+          <a:xfrm>
+            <a:off x="5931017" y="6065036"/>
+            <a:ext cx="4882392" cy="427839"/>
+          </a:xfrm>
+          <a:prstGeom prst="rect">
+            <a:avLst/>
+          </a:prstGeom>
+        </p:spPr>
+        <p:style>
+          <a:lnRef idx="2">
+            <a:schemeClr val="accent1">
+              <a:shade val="50000"/>
+            </a:schemeClr>
+          </a:lnRef>
+          <a:fillRef idx="1">
+            <a:schemeClr val="accent1"/>
+          </a:fillRef>
+          <a:effectRef idx="0">
+            <a:schemeClr val="accent1"/>
+          </a:effectRef>
+          <a:fontRef idx="minor">
+            <a:schemeClr val="lt1"/>
+          </a:fontRef>
+        </p:style>
+        <p:txBody>
+          <a:bodyPr rtlCol="0" anchor="ctr"/>
+          <a:lstStyle/>
+          <a:p>
+            <a:pPr algn="ctr"/>
+            <a:r>
+              <a:rPr lang="en-US" dirty="0"/>
+              <a:t>&lt;footer&gt;</a:t>
+            </a:r>
+          </a:p>
+        </p:txBody>
+      </p:sp>
+      <p:sp>
+        <p:nvSpPr>
+          <p:cNvPr id="9" name="Rectangle 8">
+            <a:extLst>
+              <a:ext uri="{FF2B5EF4-FFF2-40B4-BE49-F238E27FC236}">
+                <a16:creationId xmlns:a16="http://schemas.microsoft.com/office/drawing/2014/main" id="{52D9030E-15BC-41CF-B662-F866977D9137}"/>
+              </a:ext>
+            </a:extLst>
+          </p:cNvPr>
+          <p:cNvSpPr/>
+          <p:nvPr/>
+        </p:nvSpPr>
+        <p:spPr>
+          <a:xfrm>
+            <a:off x="5931017" y="3128124"/>
+            <a:ext cx="4882392" cy="427839"/>
+          </a:xfrm>
+          <a:prstGeom prst="rect">
+            <a:avLst/>
+          </a:prstGeom>
+        </p:spPr>
+        <p:style>
+          <a:lnRef idx="2">
+            <a:schemeClr val="accent1">
+              <a:shade val="50000"/>
+            </a:schemeClr>
+          </a:lnRef>
+          <a:fillRef idx="1">
+            <a:schemeClr val="accent1"/>
+          </a:fillRef>
+          <a:effectRef idx="0">
+            <a:schemeClr val="accent1"/>
+          </a:effectRef>
+          <a:fontRef idx="minor">
+            <a:schemeClr val="lt1"/>
+          </a:fontRef>
+        </p:style>
+        <p:txBody>
+          <a:bodyPr rtlCol="0" anchor="ctr"/>
+          <a:lstStyle/>
+          <a:p>
+            <a:pPr algn="ctr"/>
+            <a:r>
+              <a:rPr lang="en-US" dirty="0"/>
+              <a:t>&lt;header&gt;</a:t>
+            </a:r>
           </a:p>
         </p:txBody>
       </p:sp>
     </p:spTree>
     <p:extLst>
       <p:ext uri="{BB962C8B-B14F-4D97-AF65-F5344CB8AC3E}">
-        <p14:creationId xmlns:p14="http://schemas.microsoft.com/office/powerpoint/2010/main" val="3242942077"/>
+        <p14:creationId xmlns:p14="http://schemas.microsoft.com/office/powerpoint/2010/main" val="1358465008"/>
       </p:ext>
     </p:extLst>
   </p:cSld>
@@ -3117,88 +3422,7 @@
 </p:sld>
 </file>
 
-<file path=ppt/slides/slide3.xml><?xml version="1.0" encoding="utf-8"?>
-<p:sld xmlns:a="http://schemas.openxmlformats.org/drawingml/2006/main" xmlns:r="http://schemas.openxmlformats.org/officeDocument/2006/relationships" xmlns:p="http://schemas.openxmlformats.org/presentationml/2006/main">
-  <p:cSld>
-    <p:spTree>
-      <p:nvGrpSpPr>
-        <p:cNvPr id="1" name=""/>
-        <p:cNvGrpSpPr/>
-        <p:nvPr/>
-      </p:nvGrpSpPr>
-      <p:grpSpPr>
-        <a:xfrm>
-          <a:off x="0" y="0"/>
-          <a:ext cx="0" cy="0"/>
-          <a:chOff x="0" y="0"/>
-          <a:chExt cx="0" cy="0"/>
-        </a:xfrm>
-      </p:grpSpPr>
-      <p:sp>
-        <p:nvSpPr>
-          <p:cNvPr id="2" name="Title 1"/>
-          <p:cNvSpPr>
-            <a:spLocks noGrp="1"/>
-          </p:cNvSpPr>
-          <p:nvPr>
-            <p:ph type="title"/>
-          </p:nvPr>
-        </p:nvSpPr>
-        <p:spPr/>
-        <p:txBody>
-          <a:bodyPr/>
-          <a:lstStyle/>
-          <a:p>
-            <a:r>
-              <a:rPr lang="en-US" dirty="0">
-                <a:solidFill>
-                  <a:schemeClr val="accent2">
-                    <a:lumMod val="75000"/>
-                  </a:schemeClr>
-                </a:solidFill>
-              </a:rPr>
-              <a:t>CSS: </a:t>
-            </a:r>
-            <a:r>
-              <a:rPr lang="en-US" dirty="0"/>
-              <a:t>Cascading style sheets</a:t>
-            </a:r>
-          </a:p>
-        </p:txBody>
-      </p:sp>
-      <p:sp>
-        <p:nvSpPr>
-          <p:cNvPr id="3" name="Text Placeholder 2"/>
-          <p:cNvSpPr>
-            <a:spLocks noGrp="1"/>
-          </p:cNvSpPr>
-          <p:nvPr>
-            <p:ph type="body" idx="1"/>
-          </p:nvPr>
-        </p:nvSpPr>
-        <p:spPr/>
-        <p:txBody>
-          <a:bodyPr/>
-          <a:lstStyle/>
-          <a:p>
-            <a:endParaRPr lang="en-US" dirty="0"/>
-          </a:p>
-        </p:txBody>
-      </p:sp>
-    </p:spTree>
-    <p:extLst>
-      <p:ext uri="{BB962C8B-B14F-4D97-AF65-F5344CB8AC3E}">
-        <p14:creationId xmlns:p14="http://schemas.microsoft.com/office/powerpoint/2010/main" val="2025654739"/>
-      </p:ext>
-    </p:extLst>
-  </p:cSld>
-  <p:clrMapOvr>
-    <a:masterClrMapping/>
-  </p:clrMapOvr>
-</p:sld>
-</file>
-
-<file path=ppt/slides/slide4.xml><?xml version="1.0" encoding="utf-8"?>
+<file path=ppt/slides/slide2.xml><?xml version="1.0" encoding="utf-8"?>
 <p:sld xmlns:a="http://schemas.openxmlformats.org/drawingml/2006/main" xmlns:r="http://schemas.openxmlformats.org/officeDocument/2006/relationships" xmlns:p="http://schemas.openxmlformats.org/presentationml/2006/main">
   <p:cSld>
     <p:spTree>
@@ -3697,7 +3921,7 @@
 </p:sld>
 </file>
 
-<file path=ppt/slides/slide5.xml><?xml version="1.0" encoding="utf-8"?>
+<file path=ppt/slides/slide3.xml><?xml version="1.0" encoding="utf-8"?>
 <p:sld xmlns:a="http://schemas.openxmlformats.org/drawingml/2006/main" xmlns:r="http://schemas.openxmlformats.org/officeDocument/2006/relationships" xmlns:p="http://schemas.openxmlformats.org/presentationml/2006/main">
   <p:cSld>
     <p:spTree>
@@ -3835,7 +4059,7 @@
                 <a:latin typeface="Courier New" panose="02070309020205020404" pitchFamily="49" charset="0"/>
                 <a:cs typeface="Courier New" panose="02070309020205020404" pitchFamily="49" charset="0"/>
               </a:rPr>
-              <a:t>body p {</a:t>
+              <a:t>h1{</a:t>
             </a:r>
           </a:p>
           <a:p>
@@ -4139,6 +4363,207 @@
     <p:extLst>
       <p:ext uri="{BB962C8B-B14F-4D97-AF65-F5344CB8AC3E}">
         <p14:creationId xmlns:p14="http://schemas.microsoft.com/office/powerpoint/2010/main" val="2662883245"/>
+      </p:ext>
+    </p:extLst>
+  </p:cSld>
+  <p:clrMapOvr>
+    <a:masterClrMapping/>
+  </p:clrMapOvr>
+</p:sld>
+</file>
+
+<file path=ppt/slides/slide4.xml><?xml version="1.0" encoding="utf-8"?>
+<p:sld xmlns:a="http://schemas.openxmlformats.org/drawingml/2006/main" xmlns:r="http://schemas.openxmlformats.org/officeDocument/2006/relationships" xmlns:p="http://schemas.openxmlformats.org/presentationml/2006/main">
+  <p:cSld>
+    <p:spTree>
+      <p:nvGrpSpPr>
+        <p:cNvPr id="1" name=""/>
+        <p:cNvGrpSpPr/>
+        <p:nvPr/>
+      </p:nvGrpSpPr>
+      <p:grpSpPr>
+        <a:xfrm>
+          <a:off x="0" y="0"/>
+          <a:ext cx="0" cy="0"/>
+          <a:chOff x="0" y="0"/>
+          <a:chExt cx="0" cy="0"/>
+        </a:xfrm>
+      </p:grpSpPr>
+      <p:sp>
+        <p:nvSpPr>
+          <p:cNvPr id="2" name="Title 1"/>
+          <p:cNvSpPr>
+            <a:spLocks noGrp="1"/>
+          </p:cNvSpPr>
+          <p:nvPr>
+            <p:ph type="title"/>
+          </p:nvPr>
+        </p:nvSpPr>
+        <p:spPr/>
+        <p:txBody>
+          <a:bodyPr/>
+          <a:lstStyle/>
+          <a:p>
+            <a:r>
+              <a:rPr lang="en-US" dirty="0" err="1"/>
+              <a:t>github</a:t>
+            </a:r>
+            <a:r>
+              <a:rPr lang="en-US" dirty="0"/>
+              <a:t> pages</a:t>
+            </a:r>
+          </a:p>
+        </p:txBody>
+      </p:sp>
+      <p:sp>
+        <p:nvSpPr>
+          <p:cNvPr id="3" name="Text Placeholder 2"/>
+          <p:cNvSpPr>
+            <a:spLocks noGrp="1"/>
+          </p:cNvSpPr>
+          <p:nvPr>
+            <p:ph type="body" idx="1"/>
+          </p:nvPr>
+        </p:nvSpPr>
+        <p:spPr/>
+        <p:txBody>
+          <a:bodyPr/>
+          <a:lstStyle/>
+          <a:p>
+            <a:endParaRPr lang="en-US" dirty="0"/>
+          </a:p>
+        </p:txBody>
+      </p:sp>
+    </p:spTree>
+    <p:extLst>
+      <p:ext uri="{BB962C8B-B14F-4D97-AF65-F5344CB8AC3E}">
+        <p14:creationId xmlns:p14="http://schemas.microsoft.com/office/powerpoint/2010/main" val="3305744097"/>
+      </p:ext>
+    </p:extLst>
+  </p:cSld>
+  <p:clrMapOvr>
+    <a:masterClrMapping/>
+  </p:clrMapOvr>
+</p:sld>
+</file>
+
+<file path=ppt/slides/slide5.xml><?xml version="1.0" encoding="utf-8"?>
+<p:sld xmlns:a="http://schemas.openxmlformats.org/drawingml/2006/main" xmlns:r="http://schemas.openxmlformats.org/officeDocument/2006/relationships" xmlns:p="http://schemas.openxmlformats.org/presentationml/2006/main">
+  <p:cSld>
+    <p:spTree>
+      <p:nvGrpSpPr>
+        <p:cNvPr id="1" name=""/>
+        <p:cNvGrpSpPr/>
+        <p:nvPr/>
+      </p:nvGrpSpPr>
+      <p:grpSpPr>
+        <a:xfrm>
+          <a:off x="0" y="0"/>
+          <a:ext cx="0" cy="0"/>
+          <a:chOff x="0" y="0"/>
+          <a:chExt cx="0" cy="0"/>
+        </a:xfrm>
+      </p:grpSpPr>
+      <p:sp>
+        <p:nvSpPr>
+          <p:cNvPr id="2" name="Title 1">
+            <a:extLst>
+              <a:ext uri="{FF2B5EF4-FFF2-40B4-BE49-F238E27FC236}">
+                <a16:creationId xmlns:a16="http://schemas.microsoft.com/office/drawing/2014/main" id="{EE97C5D8-E0A3-4622-B94D-A5DEA549139F}"/>
+              </a:ext>
+            </a:extLst>
+          </p:cNvPr>
+          <p:cNvSpPr>
+            <a:spLocks noGrp="1"/>
+          </p:cNvSpPr>
+          <p:nvPr>
+            <p:ph type="title"/>
+          </p:nvPr>
+        </p:nvSpPr>
+        <p:spPr/>
+        <p:txBody>
+          <a:bodyPr/>
+          <a:lstStyle/>
+          <a:p>
+            <a:r>
+              <a:rPr lang="en-US" dirty="0"/>
+              <a:t>GitHub Page</a:t>
+            </a:r>
+          </a:p>
+        </p:txBody>
+      </p:sp>
+      <p:sp>
+        <p:nvSpPr>
+          <p:cNvPr id="3" name="Content Placeholder 2">
+            <a:extLst>
+              <a:ext uri="{FF2B5EF4-FFF2-40B4-BE49-F238E27FC236}">
+                <a16:creationId xmlns:a16="http://schemas.microsoft.com/office/drawing/2014/main" id="{0D46D264-0ED8-4DA8-BFF7-44ECE956A07B}"/>
+              </a:ext>
+            </a:extLst>
+          </p:cNvPr>
+          <p:cNvSpPr>
+            <a:spLocks noGrp="1"/>
+          </p:cNvSpPr>
+          <p:nvPr>
+            <p:ph idx="1"/>
+          </p:nvPr>
+        </p:nvSpPr>
+        <p:spPr/>
+        <p:txBody>
+          <a:bodyPr/>
+          <a:lstStyle/>
+          <a:p>
+            <a:r>
+              <a:rPr lang="en-US" dirty="0"/>
+              <a:t>Activating website options in a project repository </a:t>
+            </a:r>
+          </a:p>
+          <a:p>
+            <a:r>
+              <a:rPr lang="en-US" dirty="0"/>
+              <a:t>Details: </a:t>
+            </a:r>
+          </a:p>
+          <a:p>
+            <a:pPr lvl="1"/>
+            <a:r>
+              <a:rPr lang="en-US" dirty="0"/>
+              <a:t>Static </a:t>
+            </a:r>
+          </a:p>
+          <a:p>
+            <a:pPr lvl="1"/>
+            <a:r>
+              <a:rPr lang="en-US" dirty="0"/>
+              <a:t>Jekyll site (ruby) </a:t>
+            </a:r>
+          </a:p>
+          <a:p>
+            <a:pPr lvl="1"/>
+            <a:r>
+              <a:rPr lang="en-US" dirty="0"/>
+              <a:t>Liquid tags </a:t>
+            </a:r>
+          </a:p>
+          <a:p>
+            <a:pPr lvl="1"/>
+            <a:r>
+              <a:rPr lang="en-US" dirty="0"/>
+              <a:t>YAML headers </a:t>
+            </a:r>
+          </a:p>
+          <a:p>
+            <a:pPr marL="457200" lvl="1" indent="0">
+              <a:buNone/>
+            </a:pPr>
+            <a:endParaRPr lang="en-US" dirty="0"/>
+          </a:p>
+        </p:txBody>
+      </p:sp>
+    </p:spTree>
+    <p:extLst>
+      <p:ext uri="{BB962C8B-B14F-4D97-AF65-F5344CB8AC3E}">
+        <p14:creationId xmlns:p14="http://schemas.microsoft.com/office/powerpoint/2010/main" val="579048731"/>
       </p:ext>
     </p:extLst>
   </p:cSld>
@@ -4181,12 +4606,8 @@
           <a:lstStyle/>
           <a:p>
             <a:r>
-              <a:rPr lang="en-US" dirty="0" err="1"/>
-              <a:t>github</a:t>
-            </a:r>
-            <a:r>
               <a:rPr lang="en-US" dirty="0"/>
-              <a:t> pages</a:t>
+              <a:t>liquid tags</a:t>
             </a:r>
           </a:p>
         </p:txBody>
@@ -4206,14 +4627,14 @@
           <a:bodyPr/>
           <a:lstStyle/>
           <a:p>
-            <a:endParaRPr lang="en-US" dirty="0"/>
+            <a:endParaRPr lang="en-US"/>
           </a:p>
         </p:txBody>
       </p:sp>
     </p:spTree>
     <p:extLst>
       <p:ext uri="{BB962C8B-B14F-4D97-AF65-F5344CB8AC3E}">
-        <p14:creationId xmlns:p14="http://schemas.microsoft.com/office/powerpoint/2010/main" val="3305744097"/>
+        <p14:creationId xmlns:p14="http://schemas.microsoft.com/office/powerpoint/2010/main" val="2694230498"/>
       </p:ext>
     </p:extLst>
   </p:cSld>
@@ -4242,7 +4663,13 @@
       </p:grpSpPr>
       <p:sp>
         <p:nvSpPr>
-          <p:cNvPr id="2" name="Title 1"/>
+          <p:cNvPr id="2" name="Title 1">
+            <a:extLst>
+              <a:ext uri="{FF2B5EF4-FFF2-40B4-BE49-F238E27FC236}">
+                <a16:creationId xmlns:a16="http://schemas.microsoft.com/office/drawing/2014/main" id="{05B9C3F5-0FD0-46AC-96D3-19F86E12DA5F}"/>
+              </a:ext>
+            </a:extLst>
+          </p:cNvPr>
           <p:cNvSpPr>
             <a:spLocks noGrp="1"/>
           </p:cNvSpPr>
@@ -4257,34 +4684,676 @@
           <a:p>
             <a:r>
               <a:rPr lang="en-US" dirty="0"/>
-              <a:t>liquid tags</a:t>
-            </a:r>
-          </a:p>
-        </p:txBody>
-      </p:sp>
-      <p:sp>
-        <p:nvSpPr>
-          <p:cNvPr id="3" name="Text Placeholder 2"/>
-          <p:cNvSpPr>
-            <a:spLocks noGrp="1"/>
-          </p:cNvSpPr>
-          <p:nvPr>
-            <p:ph type="body" idx="1"/>
+              <a:t>Generic Variables</a:t>
+            </a:r>
+          </a:p>
+        </p:txBody>
+      </p:sp>
+      <p:sp>
+        <p:nvSpPr>
+          <p:cNvPr id="3" name="Content Placeholder 2">
+            <a:extLst>
+              <a:ext uri="{FF2B5EF4-FFF2-40B4-BE49-F238E27FC236}">
+                <a16:creationId xmlns:a16="http://schemas.microsoft.com/office/drawing/2014/main" id="{79F7E692-9680-4F70-A528-0951376F0CB7}"/>
+              </a:ext>
+            </a:extLst>
+          </p:cNvPr>
+          <p:cNvSpPr>
+            <a:spLocks noGrp="1"/>
+          </p:cNvSpPr>
+          <p:nvPr>
+            <p:ph idx="1"/>
           </p:nvPr>
         </p:nvSpPr>
         <p:spPr/>
         <p:txBody>
-          <a:bodyPr/>
-          <a:lstStyle/>
-          <a:p>
-            <a:endParaRPr lang="en-US"/>
-          </a:p>
-        </p:txBody>
-      </p:sp>
+          <a:bodyPr>
+            <a:normAutofit fontScale="85000" lnSpcReduction="10000"/>
+          </a:bodyPr>
+          <a:lstStyle/>
+          <a:p>
+            <a:r>
+              <a:rPr lang="en-US" dirty="0"/>
+              <a:t>Liquid tags allow you to reference info in your YAML header directly in your page. </a:t>
+            </a:r>
+          </a:p>
+          <a:p>
+            <a:pPr marL="0" indent="0">
+              <a:buNone/>
+            </a:pPr>
+            <a:endParaRPr lang="en-US" sz="1700" dirty="0">
+              <a:latin typeface="Courier New" panose="02070309020205020404" pitchFamily="49" charset="0"/>
+              <a:cs typeface="Courier New" panose="02070309020205020404" pitchFamily="49" charset="0"/>
+            </a:endParaRPr>
+          </a:p>
+          <a:p>
+            <a:pPr marL="0" indent="0">
+              <a:buNone/>
+            </a:pPr>
+            <a:r>
+              <a:rPr lang="en-US" sz="1700" dirty="0">
+                <a:latin typeface="Courier New" panose="02070309020205020404" pitchFamily="49" charset="0"/>
+                <a:cs typeface="Courier New" panose="02070309020205020404" pitchFamily="49" charset="0"/>
+              </a:rPr>
+              <a:t>---</a:t>
+            </a:r>
+          </a:p>
+          <a:p>
+            <a:pPr marL="0" indent="0">
+              <a:buNone/>
+            </a:pPr>
+            <a:r>
+              <a:rPr lang="en-US" sz="1700" dirty="0" err="1">
+                <a:solidFill>
+                  <a:schemeClr val="accent2">
+                    <a:lumMod val="75000"/>
+                  </a:schemeClr>
+                </a:solidFill>
+                <a:latin typeface="Courier New" panose="02070309020205020404" pitchFamily="49" charset="0"/>
+                <a:cs typeface="Courier New" panose="02070309020205020404" pitchFamily="49" charset="0"/>
+              </a:rPr>
+              <a:t>yellowdig</a:t>
+            </a:r>
+            <a:r>
+              <a:rPr lang="en-US" sz="1700" dirty="0">
+                <a:solidFill>
+                  <a:schemeClr val="accent2">
+                    <a:lumMod val="75000"/>
+                  </a:schemeClr>
+                </a:solidFill>
+                <a:latin typeface="Courier New" panose="02070309020205020404" pitchFamily="49" charset="0"/>
+                <a:cs typeface="Courier New" panose="02070309020205020404" pitchFamily="49" charset="0"/>
+              </a:rPr>
+              <a:t>:  </a:t>
+            </a:r>
+          </a:p>
+          <a:p>
+            <a:pPr marL="0" indent="0">
+              <a:buNone/>
+            </a:pPr>
+            <a:r>
+              <a:rPr lang="en-US" sz="1700" dirty="0">
+                <a:solidFill>
+                  <a:schemeClr val="accent2">
+                    <a:lumMod val="75000"/>
+                  </a:schemeClr>
+                </a:solidFill>
+                <a:latin typeface="Courier New" panose="02070309020205020404" pitchFamily="49" charset="0"/>
+                <a:cs typeface="Courier New" panose="02070309020205020404" pitchFamily="49" charset="0"/>
+              </a:rPr>
+              <a:t>  post-01: 'Monday, Aug 24th’  </a:t>
+            </a:r>
+          </a:p>
+          <a:p>
+            <a:pPr marL="0" indent="0">
+              <a:buNone/>
+            </a:pPr>
+            <a:r>
+              <a:rPr lang="en-US" sz="1700" dirty="0">
+                <a:latin typeface="Courier New" panose="02070309020205020404" pitchFamily="49" charset="0"/>
+                <a:cs typeface="Courier New" panose="02070309020205020404" pitchFamily="49" charset="0"/>
+              </a:rPr>
+              <a:t>  post-02: 'Monday, Aug 31st'</a:t>
+            </a:r>
+          </a:p>
+          <a:p>
+            <a:pPr marL="0" indent="0">
+              <a:buNone/>
+            </a:pPr>
+            <a:r>
+              <a:rPr lang="en-US" sz="1700" dirty="0">
+                <a:latin typeface="Courier New" panose="02070309020205020404" pitchFamily="49" charset="0"/>
+                <a:cs typeface="Courier New" panose="02070309020205020404" pitchFamily="49" charset="0"/>
+              </a:rPr>
+              <a:t>---</a:t>
+            </a:r>
+          </a:p>
+          <a:p>
+            <a:pPr marL="0" indent="0">
+              <a:buNone/>
+            </a:pPr>
+            <a:endParaRPr lang="en-US" sz="1700" dirty="0">
+              <a:latin typeface="Courier New" panose="02070309020205020404" pitchFamily="49" charset="0"/>
+              <a:cs typeface="Courier New" panose="02070309020205020404" pitchFamily="49" charset="0"/>
+            </a:endParaRPr>
+          </a:p>
+          <a:p>
+            <a:pPr marL="0" indent="0">
+              <a:buNone/>
+            </a:pPr>
+            <a:r>
+              <a:rPr lang="en-US" sz="1700" dirty="0">
+                <a:latin typeface="Courier New" panose="02070309020205020404" pitchFamily="49" charset="0"/>
+                <a:cs typeface="Courier New" panose="02070309020205020404" pitchFamily="49" charset="0"/>
+              </a:rPr>
+              <a:t>## Practice Problem Warmup</a:t>
+            </a:r>
+          </a:p>
+          <a:p>
+            <a:pPr marL="0" indent="0">
+              <a:buNone/>
+            </a:pPr>
+            <a:endParaRPr lang="en-US" sz="1700" dirty="0">
+              <a:latin typeface="Courier New" panose="02070309020205020404" pitchFamily="49" charset="0"/>
+              <a:cs typeface="Courier New" panose="02070309020205020404" pitchFamily="49" charset="0"/>
+            </a:endParaRPr>
+          </a:p>
+          <a:p>
+            <a:pPr marL="0" indent="0">
+              <a:buNone/>
+            </a:pPr>
+            <a:r>
+              <a:rPr lang="en-US" sz="1700" dirty="0">
+                <a:latin typeface="Courier New" panose="02070309020205020404" pitchFamily="49" charset="0"/>
+                <a:cs typeface="Courier New" panose="02070309020205020404" pitchFamily="49" charset="0"/>
+              </a:rPr>
+              <a:t>**Post on </a:t>
+            </a:r>
+            <a:r>
+              <a:rPr lang="en-US" sz="1700" dirty="0">
+                <a:solidFill>
+                  <a:schemeClr val="accent2">
+                    <a:lumMod val="75000"/>
+                  </a:schemeClr>
+                </a:solidFill>
+                <a:latin typeface="Courier New" panose="02070309020205020404" pitchFamily="49" charset="0"/>
+                <a:cs typeface="Courier New" panose="02070309020205020404" pitchFamily="49" charset="0"/>
+              </a:rPr>
+              <a:t>{{page.yellowdig.post-01}}</a:t>
+            </a:r>
+            <a:r>
+              <a:rPr lang="en-US" sz="1700" dirty="0">
+                <a:latin typeface="Courier New" panose="02070309020205020404" pitchFamily="49" charset="0"/>
+                <a:cs typeface="Courier New" panose="02070309020205020404" pitchFamily="49" charset="0"/>
+              </a:rPr>
+              <a:t>**</a:t>
+            </a:r>
+          </a:p>
+          <a:p>
+            <a:pPr marL="0" indent="0">
+              <a:buNone/>
+            </a:pPr>
+            <a:endParaRPr lang="en-US" sz="1700" dirty="0">
+              <a:latin typeface="Courier New" panose="02070309020205020404" pitchFamily="49" charset="0"/>
+              <a:cs typeface="Courier New" panose="02070309020205020404" pitchFamily="49" charset="0"/>
+            </a:endParaRPr>
+          </a:p>
+          <a:p>
+            <a:pPr marL="0" indent="0">
+              <a:buNone/>
+            </a:pPr>
+            <a:r>
+              <a:rPr lang="en-US" sz="1700" dirty="0">
+                <a:latin typeface="Courier New" panose="02070309020205020404" pitchFamily="49" charset="0"/>
+                <a:cs typeface="Courier New" panose="02070309020205020404" pitchFamily="49" charset="0"/>
+              </a:rPr>
+              <a:t>Note that these are non-obvious bugs that can EASILY work there way into your code. Once you see the problem, it will seem obvious. But until you see it the code often looks fine and it's unclear why it is not working as expected. </a:t>
+            </a:r>
+          </a:p>
+        </p:txBody>
+      </p:sp>
+      <p:sp>
+        <p:nvSpPr>
+          <p:cNvPr id="4" name="TextBox 3">
+            <a:extLst>
+              <a:ext uri="{FF2B5EF4-FFF2-40B4-BE49-F238E27FC236}">
+                <a16:creationId xmlns:a16="http://schemas.microsoft.com/office/drawing/2014/main" id="{7DC71F02-9F43-429E-9C6C-71D25987D7B1}"/>
+              </a:ext>
+            </a:extLst>
+          </p:cNvPr>
+          <p:cNvSpPr txBox="1"/>
+          <p:nvPr/>
+        </p:nvSpPr>
+        <p:spPr>
+          <a:xfrm>
+            <a:off x="5343788" y="2594994"/>
+            <a:ext cx="2517997" cy="461665"/>
+          </a:xfrm>
+          <a:prstGeom prst="rect">
+            <a:avLst/>
+          </a:prstGeom>
+          <a:noFill/>
+        </p:spPr>
+        <p:txBody>
+          <a:bodyPr wrap="none" rtlCol="0">
+            <a:spAutoFit/>
+          </a:bodyPr>
+          <a:lstStyle/>
+          <a:p>
+            <a:r>
+              <a:rPr lang="en-US" sz="2400" dirty="0">
+                <a:solidFill>
+                  <a:schemeClr val="accent1">
+                    <a:lumMod val="50000"/>
+                  </a:schemeClr>
+                </a:solidFill>
+              </a:rPr>
+              <a:t>YAML header data</a:t>
+            </a:r>
+          </a:p>
+        </p:txBody>
+      </p:sp>
+      <p:sp>
+        <p:nvSpPr>
+          <p:cNvPr id="5" name="TextBox 4">
+            <a:extLst>
+              <a:ext uri="{FF2B5EF4-FFF2-40B4-BE49-F238E27FC236}">
+                <a16:creationId xmlns:a16="http://schemas.microsoft.com/office/drawing/2014/main" id="{A2D6E207-946D-4BA9-A76F-B6833CB4E6FD}"/>
+              </a:ext>
+            </a:extLst>
+          </p:cNvPr>
+          <p:cNvSpPr txBox="1"/>
+          <p:nvPr/>
+        </p:nvSpPr>
+        <p:spPr>
+          <a:xfrm>
+            <a:off x="5588466" y="4263006"/>
+            <a:ext cx="4278544" cy="461665"/>
+          </a:xfrm>
+          <a:prstGeom prst="rect">
+            <a:avLst/>
+          </a:prstGeom>
+          <a:noFill/>
+        </p:spPr>
+        <p:txBody>
+          <a:bodyPr wrap="none" rtlCol="0">
+            <a:spAutoFit/>
+          </a:bodyPr>
+          <a:lstStyle/>
+          <a:p>
+            <a:r>
+              <a:rPr lang="en-US" sz="2400" dirty="0">
+                <a:solidFill>
+                  <a:schemeClr val="accent1">
+                    <a:lumMod val="50000"/>
+                  </a:schemeClr>
+                </a:solidFill>
+              </a:rPr>
+              <a:t>Liquid tag referencing YAML field</a:t>
+            </a:r>
+          </a:p>
+        </p:txBody>
+      </p:sp>
+      <p:cxnSp>
+        <p:nvCxnSpPr>
+          <p:cNvPr id="7" name="Straight Arrow Connector 6">
+            <a:extLst>
+              <a:ext uri="{FF2B5EF4-FFF2-40B4-BE49-F238E27FC236}">
+                <a16:creationId xmlns:a16="http://schemas.microsoft.com/office/drawing/2014/main" id="{2058BF0D-1C4C-4E1C-9F4D-41B0CDEC318A}"/>
+              </a:ext>
+            </a:extLst>
+          </p:cNvPr>
+          <p:cNvCxnSpPr/>
+          <p:nvPr/>
+        </p:nvCxnSpPr>
+        <p:spPr>
+          <a:xfrm flipH="1">
+            <a:off x="4186106" y="2902591"/>
+            <a:ext cx="1015068" cy="268448"/>
+          </a:xfrm>
+          <a:prstGeom prst="straightConnector1">
+            <a:avLst/>
+          </a:prstGeom>
+          <a:ln w="31750">
+            <a:solidFill>
+              <a:schemeClr val="accent1">
+                <a:lumMod val="50000"/>
+              </a:schemeClr>
+            </a:solidFill>
+            <a:tailEnd type="triangle"/>
+          </a:ln>
+        </p:spPr>
+        <p:style>
+          <a:lnRef idx="1">
+            <a:schemeClr val="accent1"/>
+          </a:lnRef>
+          <a:fillRef idx="0">
+            <a:schemeClr val="accent1"/>
+          </a:fillRef>
+          <a:effectRef idx="0">
+            <a:schemeClr val="accent1"/>
+          </a:effectRef>
+          <a:fontRef idx="minor">
+            <a:schemeClr val="tx1"/>
+          </a:fontRef>
+        </p:style>
+      </p:cxnSp>
+      <p:cxnSp>
+        <p:nvCxnSpPr>
+          <p:cNvPr id="8" name="Straight Arrow Connector 7">
+            <a:extLst>
+              <a:ext uri="{FF2B5EF4-FFF2-40B4-BE49-F238E27FC236}">
+                <a16:creationId xmlns:a16="http://schemas.microsoft.com/office/drawing/2014/main" id="{B316C189-4B29-4DFE-9E0E-35540A43EA56}"/>
+              </a:ext>
+            </a:extLst>
+          </p:cNvPr>
+          <p:cNvCxnSpPr/>
+          <p:nvPr/>
+        </p:nvCxnSpPr>
+        <p:spPr>
+          <a:xfrm flipH="1">
+            <a:off x="4506457" y="4501440"/>
+            <a:ext cx="1015068" cy="268448"/>
+          </a:xfrm>
+          <a:prstGeom prst="straightConnector1">
+            <a:avLst/>
+          </a:prstGeom>
+          <a:ln w="31750">
+            <a:solidFill>
+              <a:schemeClr val="accent1">
+                <a:lumMod val="50000"/>
+              </a:schemeClr>
+            </a:solidFill>
+            <a:tailEnd type="triangle"/>
+          </a:ln>
+        </p:spPr>
+        <p:style>
+          <a:lnRef idx="1">
+            <a:schemeClr val="accent1"/>
+          </a:lnRef>
+          <a:fillRef idx="0">
+            <a:schemeClr val="accent1"/>
+          </a:fillRef>
+          <a:effectRef idx="0">
+            <a:schemeClr val="accent1"/>
+          </a:effectRef>
+          <a:fontRef idx="minor">
+            <a:schemeClr val="tx1"/>
+          </a:fontRef>
+        </p:style>
+      </p:cxnSp>
     </p:spTree>
     <p:extLst>
       <p:ext uri="{BB962C8B-B14F-4D97-AF65-F5344CB8AC3E}">
-        <p14:creationId xmlns:p14="http://schemas.microsoft.com/office/powerpoint/2010/main" val="2694230498"/>
+        <p14:creationId xmlns:p14="http://schemas.microsoft.com/office/powerpoint/2010/main" val="1820753409"/>
+      </p:ext>
+    </p:extLst>
+  </p:cSld>
+  <p:clrMapOvr>
+    <a:masterClrMapping/>
+  </p:clrMapOvr>
+</p:sld>
+</file>
+
+<file path=ppt/slides/slide8.xml><?xml version="1.0" encoding="utf-8"?>
+<p:sld xmlns:a="http://schemas.openxmlformats.org/drawingml/2006/main" xmlns:r="http://schemas.openxmlformats.org/officeDocument/2006/relationships" xmlns:p="http://schemas.openxmlformats.org/presentationml/2006/main">
+  <p:cSld>
+    <p:spTree>
+      <p:nvGrpSpPr>
+        <p:cNvPr id="1" name=""/>
+        <p:cNvGrpSpPr/>
+        <p:nvPr/>
+      </p:nvGrpSpPr>
+      <p:grpSpPr>
+        <a:xfrm>
+          <a:off x="0" y="0"/>
+          <a:ext cx="0" cy="0"/>
+          <a:chOff x="0" y="0"/>
+          <a:chExt cx="0" cy="0"/>
+        </a:xfrm>
+      </p:grpSpPr>
+      <p:sp>
+        <p:nvSpPr>
+          <p:cNvPr id="2" name="Title 1">
+            <a:extLst>
+              <a:ext uri="{FF2B5EF4-FFF2-40B4-BE49-F238E27FC236}">
+                <a16:creationId xmlns:a16="http://schemas.microsoft.com/office/drawing/2014/main" id="{9E8F07CD-54ED-4356-BEF3-B81D66E2E2EF}"/>
+              </a:ext>
+            </a:extLst>
+          </p:cNvPr>
+          <p:cNvSpPr>
+            <a:spLocks noGrp="1"/>
+          </p:cNvSpPr>
+          <p:nvPr>
+            <p:ph type="title"/>
+          </p:nvPr>
+        </p:nvSpPr>
+        <p:spPr/>
+        <p:txBody>
+          <a:bodyPr/>
+          <a:lstStyle/>
+          <a:p>
+            <a:r>
+              <a:rPr lang="en-US" dirty="0"/>
+              <a:t>Generic Variables</a:t>
+            </a:r>
+          </a:p>
+        </p:txBody>
+      </p:sp>
+      <p:pic>
+        <p:nvPicPr>
+          <p:cNvPr id="3" name="Picture 2">
+            <a:extLst>
+              <a:ext uri="{FF2B5EF4-FFF2-40B4-BE49-F238E27FC236}">
+                <a16:creationId xmlns:a16="http://schemas.microsoft.com/office/drawing/2014/main" id="{AB074B48-E886-46E7-9127-F4B4AA704BCB}"/>
+              </a:ext>
+            </a:extLst>
+          </p:cNvPr>
+          <p:cNvPicPr>
+            <a:picLocks noChangeAspect="1"/>
+          </p:cNvPicPr>
+          <p:nvPr/>
+        </p:nvPicPr>
+        <p:blipFill>
+          <a:blip r:embed="rId2"/>
+          <a:stretch>
+            <a:fillRect/>
+          </a:stretch>
+        </p:blipFill>
+        <p:spPr>
+          <a:xfrm>
+            <a:off x="708057" y="2240221"/>
+            <a:ext cx="8181975" cy="3571875"/>
+          </a:xfrm>
+          <a:prstGeom prst="rect">
+            <a:avLst/>
+          </a:prstGeom>
+        </p:spPr>
+      </p:pic>
+      <p:sp>
+        <p:nvSpPr>
+          <p:cNvPr id="5" name="TextBox 4">
+            <a:extLst>
+              <a:ext uri="{FF2B5EF4-FFF2-40B4-BE49-F238E27FC236}">
+                <a16:creationId xmlns:a16="http://schemas.microsoft.com/office/drawing/2014/main" id="{13B1FD10-1E71-4F74-8DCA-C3C0ED80E20C}"/>
+              </a:ext>
+            </a:extLst>
+          </p:cNvPr>
+          <p:cNvSpPr txBox="1"/>
+          <p:nvPr/>
+        </p:nvSpPr>
+        <p:spPr>
+          <a:xfrm>
+            <a:off x="838200" y="1503789"/>
+            <a:ext cx="3051476" cy="461665"/>
+          </a:xfrm>
+          <a:prstGeom prst="rect">
+            <a:avLst/>
+          </a:prstGeom>
+          <a:noFill/>
+        </p:spPr>
+        <p:txBody>
+          <a:bodyPr wrap="none" rtlCol="0">
+            <a:spAutoFit/>
+          </a:bodyPr>
+          <a:lstStyle/>
+          <a:p>
+            <a:r>
+              <a:rPr lang="en-US" sz="2400" dirty="0">
+                <a:solidFill>
+                  <a:schemeClr val="accent1">
+                    <a:lumMod val="50000"/>
+                  </a:schemeClr>
+                </a:solidFill>
+              </a:rPr>
+              <a:t>(Rendered HTML Page)</a:t>
+            </a:r>
+          </a:p>
+        </p:txBody>
+      </p:sp>
+      <p:sp>
+        <p:nvSpPr>
+          <p:cNvPr id="6" name="TextBox 5">
+            <a:extLst>
+              <a:ext uri="{FF2B5EF4-FFF2-40B4-BE49-F238E27FC236}">
+                <a16:creationId xmlns:a16="http://schemas.microsoft.com/office/drawing/2014/main" id="{02F4BC2A-427C-4C03-95EF-820DCC86B766}"/>
+              </a:ext>
+            </a:extLst>
+          </p:cNvPr>
+          <p:cNvSpPr txBox="1"/>
+          <p:nvPr/>
+        </p:nvSpPr>
+        <p:spPr>
+          <a:xfrm>
+            <a:off x="6194955" y="2829352"/>
+            <a:ext cx="5684120" cy="461665"/>
+          </a:xfrm>
+          <a:prstGeom prst="rect">
+            <a:avLst/>
+          </a:prstGeom>
+          <a:noFill/>
+        </p:spPr>
+        <p:txBody>
+          <a:bodyPr wrap="none" rtlCol="0">
+            <a:spAutoFit/>
+          </a:bodyPr>
+          <a:lstStyle/>
+          <a:p>
+            <a:r>
+              <a:rPr lang="en-US" sz="2400" dirty="0">
+                <a:solidFill>
+                  <a:schemeClr val="accent1">
+                    <a:lumMod val="50000"/>
+                  </a:schemeClr>
+                </a:solidFill>
+              </a:rPr>
+              <a:t>Liquid tag replaced with value in YAML table</a:t>
+            </a:r>
+          </a:p>
+        </p:txBody>
+      </p:sp>
+      <p:cxnSp>
+        <p:nvCxnSpPr>
+          <p:cNvPr id="7" name="Straight Arrow Connector 6">
+            <a:extLst>
+              <a:ext uri="{FF2B5EF4-FFF2-40B4-BE49-F238E27FC236}">
+                <a16:creationId xmlns:a16="http://schemas.microsoft.com/office/drawing/2014/main" id="{4CAFBCF5-772D-4DA4-8F49-745542AFFF78}"/>
+              </a:ext>
+            </a:extLst>
+          </p:cNvPr>
+          <p:cNvCxnSpPr>
+            <a:cxnSpLocks/>
+            <a:stCxn id="6" idx="1"/>
+          </p:cNvCxnSpPr>
+          <p:nvPr/>
+        </p:nvCxnSpPr>
+        <p:spPr>
+          <a:xfrm flipH="1">
+            <a:off x="3172408" y="3060185"/>
+            <a:ext cx="3022547" cy="298835"/>
+          </a:xfrm>
+          <a:prstGeom prst="straightConnector1">
+            <a:avLst/>
+          </a:prstGeom>
+          <a:ln w="31750">
+            <a:solidFill>
+              <a:schemeClr val="accent1">
+                <a:lumMod val="50000"/>
+              </a:schemeClr>
+            </a:solidFill>
+            <a:tailEnd type="triangle"/>
+          </a:ln>
+        </p:spPr>
+        <p:style>
+          <a:lnRef idx="1">
+            <a:schemeClr val="accent1"/>
+          </a:lnRef>
+          <a:fillRef idx="0">
+            <a:schemeClr val="accent1"/>
+          </a:fillRef>
+          <a:effectRef idx="0">
+            <a:schemeClr val="accent1"/>
+          </a:effectRef>
+          <a:fontRef idx="minor">
+            <a:schemeClr val="tx1"/>
+          </a:fontRef>
+        </p:style>
+      </p:cxnSp>
+    </p:spTree>
+    <p:extLst>
+      <p:ext uri="{BB962C8B-B14F-4D97-AF65-F5344CB8AC3E}">
+        <p14:creationId xmlns:p14="http://schemas.microsoft.com/office/powerpoint/2010/main" val="1516555888"/>
+      </p:ext>
+    </p:extLst>
+  </p:cSld>
+  <p:clrMapOvr>
+    <a:masterClrMapping/>
+  </p:clrMapOvr>
+</p:sld>
+</file>
+
+<file path=ppt/slides/slide9.xml><?xml version="1.0" encoding="utf-8"?>
+<p:sld xmlns:a="http://schemas.openxmlformats.org/drawingml/2006/main" xmlns:r="http://schemas.openxmlformats.org/officeDocument/2006/relationships" xmlns:p="http://schemas.openxmlformats.org/presentationml/2006/main">
+  <p:cSld>
+    <p:spTree>
+      <p:nvGrpSpPr>
+        <p:cNvPr id="1" name=""/>
+        <p:cNvGrpSpPr/>
+        <p:nvPr/>
+      </p:nvGrpSpPr>
+      <p:grpSpPr>
+        <a:xfrm>
+          <a:off x="0" y="0"/>
+          <a:ext cx="0" cy="0"/>
+          <a:chOff x="0" y="0"/>
+          <a:chExt cx="0" cy="0"/>
+        </a:xfrm>
+      </p:grpSpPr>
+      <p:sp>
+        <p:nvSpPr>
+          <p:cNvPr id="2" name="Title 1"/>
+          <p:cNvSpPr>
+            <a:spLocks noGrp="1"/>
+          </p:cNvSpPr>
+          <p:nvPr>
+            <p:ph type="title"/>
+          </p:nvPr>
+        </p:nvSpPr>
+        <p:spPr/>
+        <p:txBody>
+          <a:bodyPr/>
+          <a:lstStyle/>
+          <a:p>
+            <a:r>
+              <a:rPr lang="en-US" dirty="0"/>
+              <a:t>Html page basics</a:t>
+            </a:r>
+          </a:p>
+        </p:txBody>
+      </p:sp>
+      <p:sp>
+        <p:nvSpPr>
+          <p:cNvPr id="4" name="Text Placeholder 3"/>
+          <p:cNvSpPr>
+            <a:spLocks noGrp="1"/>
+          </p:cNvSpPr>
+          <p:nvPr>
+            <p:ph type="body" idx="1"/>
+          </p:nvPr>
+        </p:nvSpPr>
+        <p:spPr/>
+        <p:txBody>
+          <a:bodyPr/>
+          <a:lstStyle/>
+          <a:p>
+            <a:endParaRPr lang="en-US"/>
+          </a:p>
+        </p:txBody>
+      </p:sp>
+    </p:spTree>
+    <p:extLst>
+      <p:ext uri="{BB962C8B-B14F-4D97-AF65-F5344CB8AC3E}">
+        <p14:creationId xmlns:p14="http://schemas.microsoft.com/office/powerpoint/2010/main" val="3242942077"/>
       </p:ext>
     </p:extLst>
   </p:cSld>
